--- a/tests/powerpoint/files/control-placeholder.pptx
+++ b/tests/powerpoint/files/control-placeholder.pptx
@@ -325,7 +325,7 @@
           <a:p>
             <a:fld id="{305AD3C7-2DE5-428E-9244-7C83F5BE7FBC}" type="datetimeFigureOut">
               <a:rPr lang="en-US" smtClean="0"/>
-              <a:t>3/7/2017</a:t>
+              <a:t>3/13/2017</a:t>
             </a:fld>
             <a:endParaRPr lang="en-US"/>
           </a:p>
@@ -676,184 +676,6 @@
 
 <file path=ppt/slideLayouts/slideLayout1.xml><?xml version="1.0" encoding="utf-8"?>
 <p:sldLayout xmlns:a="http://schemas.openxmlformats.org/drawingml/2006/main" xmlns:r="http://schemas.openxmlformats.org/officeDocument/2006/relationships" xmlns:p="http://schemas.openxmlformats.org/presentationml/2006/main" preserve="1" userDrawn="1">
-  <p:cSld name="layout-1">
-    <p:spTree>
-      <p:nvGrpSpPr>
-        <p:cNvPr id="1" name=""/>
-        <p:cNvGrpSpPr/>
-        <p:nvPr/>
-      </p:nvGrpSpPr>
-      <p:grpSpPr>
-        <a:xfrm>
-          <a:off x="0" y="0"/>
-          <a:ext cx="0" cy="0"/>
-          <a:chOff x="0" y="0"/>
-          <a:chExt cx="0" cy="0"/>
-        </a:xfrm>
-      </p:grpSpPr>
-      <p:sp>
-        <p:nvSpPr>
-          <p:cNvPr id="4" name="Title Placeholder 3"/>
-          <p:cNvSpPr>
-            <a:spLocks noGrp="1"/>
-          </p:cNvSpPr>
-          <p:nvPr>
-            <p:ph type="title"/>
-          </p:nvPr>
-        </p:nvSpPr>
-        <p:spPr>
-          <a:xfrm>
-            <a:off x="50" y="1"/>
-            <a:ext cx="6719956" cy="548700"/>
-          </a:xfrm>
-          <a:prstGeom prst="rect">
-            <a:avLst/>
-          </a:prstGeom>
-        </p:spPr>
-        <p:txBody>
-          <a:bodyPr vert="horz" lIns="91440" tIns="45720" rIns="91440" bIns="45720" rtlCol="0" anchor="ctr">
-            <a:normAutofit/>
-          </a:bodyPr>
-          <a:lstStyle/>
-          <a:p>
-            <a:r>
-              <a:rPr lang="en-US" dirty="0" smtClean="0"/>
-              <a:t>Click to edit Master title style</a:t>
-            </a:r>
-            <a:endParaRPr lang="en-US" dirty="0"/>
-          </a:p>
-        </p:txBody>
-      </p:sp>
-      <p:sp>
-        <p:nvSpPr>
-          <p:cNvPr id="6" name="Picture Placeholder 5"/>
-          <p:cNvSpPr>
-            <a:spLocks noGrp="1"/>
-          </p:cNvSpPr>
-          <p:nvPr>
-            <p:ph type="pic" sz="quarter" idx="10" hasCustomPrompt="1"/>
-          </p:nvPr>
-        </p:nvSpPr>
-        <p:spPr>
-          <a:xfrm>
-            <a:off x="6799106" y="45751"/>
-            <a:ext cx="2286000" cy="457200"/>
-          </a:xfrm>
-          <a:prstGeom prst="rect">
-            <a:avLst/>
-          </a:prstGeom>
-        </p:spPr>
-        <p:txBody>
-          <a:bodyPr lIns="0" tIns="0" rIns="0" bIns="0" anchor="ctr" anchorCtr="0"/>
-          <a:lstStyle>
-            <a:lvl1pPr algn="ctr">
-              <a:defRPr/>
-            </a:lvl1pPr>
-          </a:lstStyle>
-          <a:p>
-            <a:r>
-              <a:rPr lang="en-US" dirty="0" smtClean="0"/>
-              <a:t>{{ </a:t>
-            </a:r>
-            <a:r>
-              <a:rPr lang="en-US" dirty="0" err="1" smtClean="0"/>
-              <a:t>brand_logo</a:t>
-            </a:r>
-            <a:r>
-              <a:rPr lang="en-US" dirty="0" smtClean="0"/>
-              <a:t> }}</a:t>
-            </a:r>
-            <a:endParaRPr lang="en-US" dirty="0"/>
-          </a:p>
-        </p:txBody>
-      </p:sp>
-      <p:sp>
-        <p:nvSpPr>
-          <p:cNvPr id="7" name="Text Placeholder 6"/>
-          <p:cNvSpPr>
-            <a:spLocks noGrp="1"/>
-          </p:cNvSpPr>
-          <p:nvPr>
-            <p:ph type="body" sz="quarter" idx="11" hasCustomPrompt="1"/>
-          </p:nvPr>
-        </p:nvSpPr>
-        <p:spPr>
-          <a:xfrm>
-            <a:off x="50" y="825499"/>
-            <a:ext cx="2683435" cy="459440"/>
-          </a:xfrm>
-          <a:prstGeom prst="rect">
-            <a:avLst/>
-          </a:prstGeom>
-        </p:spPr>
-        <p:txBody>
-          <a:bodyPr/>
-          <a:lstStyle>
-            <a:lvl1pPr>
-              <a:defRPr sz="1100" baseline="0"/>
-            </a:lvl1pPr>
-          </a:lstStyle>
-          <a:p>
-            <a:pPr lvl="0"/>
-            <a:r>
-              <a:rPr lang="en-US" dirty="0" smtClean="0"/>
-              <a:t>A simple {language} string format template</a:t>
-            </a:r>
-            <a:endParaRPr lang="en-US" dirty="0"/>
-          </a:p>
-        </p:txBody>
-      </p:sp>
-      <p:sp>
-        <p:nvSpPr>
-          <p:cNvPr id="8" name="Text Placeholder 6"/>
-          <p:cNvSpPr>
-            <a:spLocks noGrp="1"/>
-          </p:cNvSpPr>
-          <p:nvPr>
-            <p:ph type="body" sz="quarter" idx="12" hasCustomPrompt="1"/>
-          </p:nvPr>
-        </p:nvSpPr>
-        <p:spPr>
-          <a:xfrm>
-            <a:off x="6460565" y="825498"/>
-            <a:ext cx="2683435" cy="459441"/>
-          </a:xfrm>
-          <a:prstGeom prst="rect">
-            <a:avLst/>
-          </a:prstGeom>
-        </p:spPr>
-        <p:txBody>
-          <a:bodyPr/>
-          <a:lstStyle>
-            <a:lvl1pPr>
-              <a:defRPr sz="1100" baseline="0"/>
-            </a:lvl1pPr>
-          </a:lstStyle>
-          <a:p>
-            <a:pPr lvl="0"/>
-            <a:r>
-              <a:rPr lang="en-US" dirty="0" smtClean="0"/>
-              <a:t>Another simple {language} string format template</a:t>
-            </a:r>
-            <a:endParaRPr lang="en-US" dirty="0"/>
-          </a:p>
-        </p:txBody>
-      </p:sp>
-    </p:spTree>
-    <p:extLst>
-      <p:ext uri="{BB962C8B-B14F-4D97-AF65-F5344CB8AC3E}">
-        <p14:creationId xmlns:p14="http://schemas.microsoft.com/office/powerpoint/2010/main" val="1703396859"/>
-      </p:ext>
-    </p:extLst>
-  </p:cSld>
-  <p:clrMapOvr>
-    <a:masterClrMapping/>
-  </p:clrMapOvr>
-</p:sldLayout>
-</file>
-
-<file path=ppt/slideLayouts/slideLayout2.xml><?xml version="1.0" encoding="utf-8"?>
-<p:sldLayout xmlns:a="http://schemas.openxmlformats.org/drawingml/2006/main" xmlns:r="http://schemas.openxmlformats.org/officeDocument/2006/relationships" xmlns:p="http://schemas.openxmlformats.org/presentationml/2006/main" preserve="1" userDrawn="1">
   <p:cSld name="layout-2">
     <p:spTree>
       <p:nvGrpSpPr>
@@ -895,53 +717,9 @@
           <a:lstStyle/>
           <a:p>
             <a:r>
-              <a:rPr lang="en-US" dirty="0" smtClean="0"/>
+              <a:rPr lang="en-US" dirty="0"/>
               <a:t>Click to edit Master title style</a:t>
             </a:r>
-            <a:endParaRPr lang="en-US" dirty="0"/>
-          </a:p>
-        </p:txBody>
-      </p:sp>
-      <p:sp>
-        <p:nvSpPr>
-          <p:cNvPr id="6" name="Picture Placeholder 5"/>
-          <p:cNvSpPr>
-            <a:spLocks noGrp="1"/>
-          </p:cNvSpPr>
-          <p:nvPr>
-            <p:ph type="pic" sz="quarter" idx="10" hasCustomPrompt="1"/>
-          </p:nvPr>
-        </p:nvSpPr>
-        <p:spPr>
-          <a:xfrm>
-            <a:off x="6799106" y="45751"/>
-            <a:ext cx="2286000" cy="457200"/>
-          </a:xfrm>
-          <a:prstGeom prst="rect">
-            <a:avLst/>
-          </a:prstGeom>
-        </p:spPr>
-        <p:txBody>
-          <a:bodyPr lIns="0" tIns="0" rIns="0" bIns="0" anchor="ctr" anchorCtr="0"/>
-          <a:lstStyle>
-            <a:lvl1pPr algn="ctr">
-              <a:defRPr/>
-            </a:lvl1pPr>
-          </a:lstStyle>
-          <a:p>
-            <a:r>
-              <a:rPr lang="en-US" dirty="0" smtClean="0"/>
-              <a:t>{{ </a:t>
-            </a:r>
-            <a:r>
-              <a:rPr lang="en-US" dirty="0" err="1" smtClean="0"/>
-              <a:t>brand_logo</a:t>
-            </a:r>
-            <a:r>
-              <a:rPr lang="en-US" dirty="0" smtClean="0"/>
-              <a:t> }}</a:t>
-            </a:r>
-            <a:endParaRPr lang="en-US" dirty="0"/>
           </a:p>
         </p:txBody>
       </p:sp>
@@ -974,18 +752,17 @@
           <a:p>
             <a:pPr lvl="0"/>
             <a:r>
-              <a:rPr lang="en-US" dirty="0" smtClean="0"/>
+              <a:rPr lang="en-US" dirty="0"/>
               <a:t>{</a:t>
             </a:r>
             <a:r>
-              <a:rPr lang="en-US" dirty="0" err="1" smtClean="0"/>
+              <a:rPr lang="en-US" dirty="0" err="1"/>
               <a:t>control_placeholder_no_output</a:t>
             </a:r>
             <a:r>
-              <a:rPr lang="en-US" dirty="0" smtClean="0"/>
+              <a:rPr lang="en-US" dirty="0"/>
               <a:t>}</a:t>
             </a:r>
-            <a:endParaRPr lang="en-US" dirty="0"/>
           </a:p>
         </p:txBody>
       </p:sp>
@@ -1094,8 +871,7 @@
   </p:cSld>
   <p:clrMap bg1="lt1" tx1="dk1" bg2="dk2" tx2="lt2" accent1="accent1" accent2="accent2" accent3="accent3" accent4="accent4" accent5="accent5" accent6="accent6" hlink="hlink" folHlink="folHlink"/>
   <p:sldLayoutIdLst>
-    <p:sldLayoutId id="2147483696" r:id="rId1"/>
-    <p:sldLayoutId id="2147483698" r:id="rId2"/>
+    <p:sldLayoutId id="2147483698" r:id="rId1"/>
   </p:sldLayoutIdLst>
   <p:hf sldNum="0" hdr="0" ftr="0" dt="0"/>
   <p:txStyles>
@@ -1560,7 +1336,7 @@
       </p:grpSpPr>
       <p:sp>
         <p:nvSpPr>
-          <p:cNvPr id="2" name="Title 1"/>
+          <p:cNvPr id="5" name="Title 4"/>
           <p:cNvSpPr>
             <a:spLocks noGrp="1"/>
           </p:cNvSpPr>
@@ -1579,19 +1355,7 @@
       </p:sp>
       <p:sp>
         <p:nvSpPr>
-          <p:cNvPr id="3" name="Picture Placeholder 2"/>
-          <p:cNvSpPr>
-            <a:spLocks noGrp="1"/>
-          </p:cNvSpPr>
-          <p:nvPr>
-            <p:ph type="pic" sz="quarter" idx="10"/>
-          </p:nvPr>
-        </p:nvSpPr>
-        <p:spPr/>
-      </p:sp>
-      <p:sp>
-        <p:nvSpPr>
-          <p:cNvPr id="4" name="Text Placeholder 3"/>
+          <p:cNvPr id="6" name="Text Placeholder 5"/>
           <p:cNvSpPr>
             <a:spLocks noGrp="1"/>
           </p:cNvSpPr>
